--- a/sp-iot-doorbell-slides.pptx
+++ b/sp-iot-doorbell-slides.pptx
@@ -5,7 +5,7 @@
     <p:sldMasterId id="2147483648" r:id="rId1"/>
   </p:sldMasterIdLst>
   <p:notesMasterIdLst>
-    <p:notesMasterId r:id="rId15"/>
+    <p:notesMasterId r:id="rId16"/>
   </p:notesMasterIdLst>
   <p:sldIdLst>
     <p:sldId id="257" r:id="rId2"/>
@@ -21,6 +21,7 @@
     <p:sldId id="290" r:id="rId12"/>
     <p:sldId id="280" r:id="rId13"/>
     <p:sldId id="286" r:id="rId14"/>
+    <p:sldId id="291" r:id="rId15"/>
   </p:sldIdLst>
   <p:sldSz cx="12192000" cy="6858000"/>
   <p:notesSz cx="6858000" cy="9144000"/>
@@ -209,7 +210,7 @@
           <a:p>
             <a:fld id="{F617A69D-9FCE-4A6F-B867-5530CBD4EA21}" type="datetimeFigureOut">
               <a:rPr lang="en-SG" smtClean="0"/>
-              <a:t>23/4/2017</a:t>
+              <a:t>3/5/17</a:t>
             </a:fld>
             <a:endParaRPr lang="en-SG"/>
           </a:p>
@@ -608,7 +609,7 @@
           <a:p>
             <a:fld id="{27EC4344-9C76-4F45-99A8-D61915B124C3}" type="datetime1">
               <a:rPr lang="en-SG" smtClean="0"/>
-              <a:t>23/4/2017</a:t>
+              <a:t>3/5/17</a:t>
             </a:fld>
             <a:endParaRPr lang="en-SG"/>
           </a:p>
@@ -778,7 +779,7 @@
           <a:p>
             <a:fld id="{902428D4-E18F-425F-898C-0C89F3B30962}" type="datetime1">
               <a:rPr lang="en-SG" smtClean="0"/>
-              <a:t>23/4/2017</a:t>
+              <a:t>3/5/17</a:t>
             </a:fld>
             <a:endParaRPr lang="en-SG"/>
           </a:p>
@@ -958,7 +959,7 @@
           <a:p>
             <a:fld id="{567343DE-AC2E-474E-9C48-FA55BBB72386}" type="datetime1">
               <a:rPr lang="en-SG" smtClean="0"/>
-              <a:t>23/4/2017</a:t>
+              <a:t>3/5/17</a:t>
             </a:fld>
             <a:endParaRPr lang="en-SG"/>
           </a:p>
@@ -1128,7 +1129,7 @@
           <a:p>
             <a:fld id="{87768F01-D7B3-4E11-BF9E-499DDCA45371}" type="datetime1">
               <a:rPr lang="en-SG" smtClean="0"/>
-              <a:t>23/4/2017</a:t>
+              <a:t>3/5/17</a:t>
             </a:fld>
             <a:endParaRPr lang="en-SG"/>
           </a:p>
@@ -1374,7 +1375,7 @@
           <a:p>
             <a:fld id="{1EA1973C-A542-4AC7-AA34-E54DA463D62E}" type="datetime1">
               <a:rPr lang="en-SG" smtClean="0"/>
-              <a:t>23/4/2017</a:t>
+              <a:t>3/5/17</a:t>
             </a:fld>
             <a:endParaRPr lang="en-SG"/>
           </a:p>
@@ -1606,7 +1607,7 @@
           <a:p>
             <a:fld id="{324CE717-249B-4218-BEBF-1866AB4E5495}" type="datetime1">
               <a:rPr lang="en-SG" smtClean="0"/>
-              <a:t>23/4/2017</a:t>
+              <a:t>3/5/17</a:t>
             </a:fld>
             <a:endParaRPr lang="en-SG"/>
           </a:p>
@@ -1973,7 +1974,7 @@
           <a:p>
             <a:fld id="{EEBA242E-BD9C-43E9-8164-0DCD41E44CE1}" type="datetime1">
               <a:rPr lang="en-SG" smtClean="0"/>
-              <a:t>23/4/2017</a:t>
+              <a:t>3/5/17</a:t>
             </a:fld>
             <a:endParaRPr lang="en-SG"/>
           </a:p>
@@ -2091,7 +2092,7 @@
           <a:p>
             <a:fld id="{3052E1B0-A67B-4AF2-85F3-663C1081A735}" type="datetime1">
               <a:rPr lang="en-SG" smtClean="0"/>
-              <a:t>23/4/2017</a:t>
+              <a:t>3/5/17</a:t>
             </a:fld>
             <a:endParaRPr lang="en-SG"/>
           </a:p>
@@ -2186,7 +2187,7 @@
           <a:p>
             <a:fld id="{1C9B96D8-3718-4D78-B5EF-231DAD027036}" type="datetime1">
               <a:rPr lang="en-SG" smtClean="0"/>
-              <a:t>23/4/2017</a:t>
+              <a:t>3/5/17</a:t>
             </a:fld>
             <a:endParaRPr lang="en-SG"/>
           </a:p>
@@ -2463,7 +2464,7 @@
           <a:p>
             <a:fld id="{304CA23F-60A8-46B9-A42E-5F3DDAA49A58}" type="datetime1">
               <a:rPr lang="en-SG" smtClean="0"/>
-              <a:t>23/4/2017</a:t>
+              <a:t>3/5/17</a:t>
             </a:fld>
             <a:endParaRPr lang="en-SG"/>
           </a:p>
@@ -2716,7 +2717,7 @@
           <a:p>
             <a:fld id="{0C28DC5E-3418-4615-BC9B-010FE4998FA3}" type="datetime1">
               <a:rPr lang="en-SG" smtClean="0"/>
-              <a:t>23/4/2017</a:t>
+              <a:t>3/5/17</a:t>
             </a:fld>
             <a:endParaRPr lang="en-SG"/>
           </a:p>
@@ -2929,7 +2930,7 @@
           <a:p>
             <a:fld id="{B70A7BC0-8930-4508-9FAC-59BA39918572}" type="datetime1">
               <a:rPr lang="en-SG" smtClean="0"/>
-              <a:t>23/4/2017</a:t>
+              <a:t>3/5/17</a:t>
             </a:fld>
             <a:endParaRPr lang="en-SG"/>
           </a:p>
@@ -3567,6 +3568,13 @@
       </p:transition>
     </mc:Fallback>
   </mc:AlternateContent>
+  <p:timing>
+    <p:tnLst>
+      <p:par>
+        <p:cTn id="1" dur="indefinite" restart="never" nodeType="tmRoot"/>
+      </p:par>
+    </p:tnLst>
+  </p:timing>
 </p:sld>
 </file>
 
@@ -4959,6 +4967,13 @@
       </p:transition>
     </mc:Fallback>
   </mc:AlternateContent>
+  <p:timing>
+    <p:tnLst>
+      <p:par>
+        <p:cTn id="1" dur="indefinite" restart="never" nodeType="tmRoot"/>
+      </p:par>
+    </p:tnLst>
+  </p:timing>
 </p:sld>
 </file>
 
@@ -5747,6 +5762,152 @@
 </p:sld>
 </file>
 
+<file path=ppt/slides/slide14.xml><?xml version="1.0" encoding="utf-8"?>
+<p:sld xmlns:a="http://schemas.openxmlformats.org/drawingml/2006/main" xmlns:r="http://schemas.openxmlformats.org/officeDocument/2006/relationships" xmlns:p="http://schemas.openxmlformats.org/presentationml/2006/main">
+  <p:cSld>
+    <p:spTree>
+      <p:nvGrpSpPr>
+        <p:cNvPr id="1" name=""/>
+        <p:cNvGrpSpPr/>
+        <p:nvPr/>
+      </p:nvGrpSpPr>
+      <p:grpSpPr>
+        <a:xfrm>
+          <a:off x="0" y="0"/>
+          <a:ext cx="0" cy="0"/>
+          <a:chOff x="0" y="0"/>
+          <a:chExt cx="0" cy="0"/>
+        </a:xfrm>
+      </p:grpSpPr>
+      <p:sp>
+        <p:nvSpPr>
+          <p:cNvPr id="2" name="Title 1"/>
+          <p:cNvSpPr>
+            <a:spLocks noGrp="1"/>
+          </p:cNvSpPr>
+          <p:nvPr>
+            <p:ph type="ctrTitle"/>
+          </p:nvPr>
+        </p:nvSpPr>
+        <p:spPr>
+          <a:xfrm>
+            <a:off x="4937277" y="3002618"/>
+            <a:ext cx="2835124" cy="804303"/>
+          </a:xfrm>
+        </p:spPr>
+        <p:txBody>
+          <a:bodyPr>
+            <a:noAutofit/>
+          </a:bodyPr>
+          <a:lstStyle/>
+          <a:p>
+            <a:pPr algn="l"/>
+            <a:r>
+              <a:rPr lang="en-SG" sz="4800" dirty="0" smtClean="0"/>
+              <a:t>Questions</a:t>
+            </a:r>
+            <a:endParaRPr lang="en-US" sz="4800" dirty="0"/>
+          </a:p>
+        </p:txBody>
+      </p:sp>
+      <p:sp>
+        <p:nvSpPr>
+          <p:cNvPr id="6" name="TextBox 5"/>
+          <p:cNvSpPr txBox="1"/>
+          <p:nvPr/>
+        </p:nvSpPr>
+        <p:spPr>
+          <a:xfrm>
+            <a:off x="7912110" y="5804881"/>
+            <a:ext cx="4279890" cy="646331"/>
+          </a:xfrm>
+          <a:prstGeom prst="rect">
+            <a:avLst/>
+          </a:prstGeom>
+          <a:noFill/>
+        </p:spPr>
+        <p:txBody>
+          <a:bodyPr wrap="none" rtlCol="0">
+            <a:spAutoFit/>
+          </a:bodyPr>
+          <a:lstStyle/>
+          <a:p>
+            <a:pPr algn="r"/>
+            <a:r>
+              <a:rPr lang="en-SG" dirty="0"/>
+              <a:t>By: Yeo Kheng Meng (</a:t>
+            </a:r>
+            <a:r>
+              <a:rPr lang="en-SG" dirty="0">
+                <a:hlinkClick r:id="rId2"/>
+              </a:rPr>
+              <a:t>yeokm1@gmail.com</a:t>
+            </a:r>
+            <a:r>
+              <a:rPr lang="en-SG" dirty="0"/>
+              <a:t>)</a:t>
+            </a:r>
+          </a:p>
+          <a:p>
+            <a:pPr algn="r"/>
+            <a:r>
+              <a:rPr lang="en-SG" dirty="0">
+                <a:hlinkClick r:id="rId3"/>
+              </a:rPr>
+              <a:t>https://github.com/yeokm1/sp-iot-doorbell</a:t>
+            </a:r>
+            <a:endParaRPr lang="en-SG" dirty="0"/>
+          </a:p>
+        </p:txBody>
+      </p:sp>
+      <p:sp>
+        <p:nvSpPr>
+          <p:cNvPr id="7" name="Slide Number Placeholder 6"/>
+          <p:cNvSpPr>
+            <a:spLocks noGrp="1"/>
+          </p:cNvSpPr>
+          <p:nvPr>
+            <p:ph type="sldNum" sz="quarter" idx="12"/>
+          </p:nvPr>
+        </p:nvSpPr>
+        <p:spPr/>
+        <p:txBody>
+          <a:bodyPr/>
+          <a:lstStyle/>
+          <a:p>
+            <a:fld id="{36C514DB-F3E5-8D4A-A848-656B5DE78AA5}" type="slidenum">
+              <a:rPr lang="en-US" smtClean="0"/>
+              <a:t>14</a:t>
+            </a:fld>
+            <a:endParaRPr lang="en-US"/>
+          </a:p>
+        </p:txBody>
+      </p:sp>
+    </p:spTree>
+    <p:extLst>
+      <p:ext uri="{BB962C8B-B14F-4D97-AF65-F5344CB8AC3E}">
+        <p14:creationId xmlns:p14="http://schemas.microsoft.com/office/powerpoint/2010/main" val="1049737246"/>
+      </p:ext>
+    </p:extLst>
+  </p:cSld>
+  <p:clrMapOvr>
+    <a:masterClrMapping/>
+  </p:clrMapOvr>
+  <mc:AlternateContent xmlns:mc="http://schemas.openxmlformats.org/markup-compatibility/2006" xmlns:p14="http://schemas.microsoft.com/office/powerpoint/2010/main">
+    <mc:Choice Requires="p14">
+      <p:transition spd="med" p14:dur="700">
+        <p:fade/>
+      </p:transition>
+    </mc:Choice>
+    <mc:Fallback xmlns="">
+      <p:transition spd="med">
+        <p:fade/>
+      </p:transition>
+    </mc:Fallback>
+  </mc:AlternateContent>
+</p:sld>
+</file>
+
 <file path=ppt/slides/slide2.xml><?xml version="1.0" encoding="utf-8"?>
 <p:sld xmlns:a="http://schemas.openxmlformats.org/drawingml/2006/main" xmlns:r="http://schemas.openxmlformats.org/officeDocument/2006/relationships" xmlns:p="http://schemas.openxmlformats.org/presentationml/2006/main">
   <p:cSld>
@@ -6453,6 +6614,13 @@
       </p:transition>
     </mc:Fallback>
   </mc:AlternateContent>
+  <p:timing>
+    <p:tnLst>
+      <p:par>
+        <p:cTn id="1" dur="indefinite" restart="never" nodeType="tmRoot"/>
+      </p:par>
+    </p:tnLst>
+  </p:timing>
 </p:sld>
 </file>
 
@@ -6644,6 +6812,13 @@
       </p:transition>
     </mc:Fallback>
   </mc:AlternateContent>
+  <p:timing>
+    <p:tnLst>
+      <p:par>
+        <p:cTn id="1" dur="indefinite" restart="never" nodeType="tmRoot"/>
+      </p:par>
+    </p:tnLst>
+  </p:timing>
 </p:sld>
 </file>
 
@@ -7307,6 +7482,13 @@
       </p:transition>
     </mc:Fallback>
   </mc:AlternateContent>
+  <p:timing>
+    <p:tnLst>
+      <p:par>
+        <p:cTn id="1" dur="indefinite" restart="never" nodeType="tmRoot"/>
+      </p:par>
+    </p:tnLst>
+  </p:timing>
 </p:sld>
 </file>
 
@@ -7406,7 +7588,39 @@
             </a:r>
             <a:r>
               <a:rPr lang="en-SG" sz="1700" dirty="0"/>
-              <a:t> 40000 -q 50 -rot 270 -t 1 -w 1024 -h 768 -o /</a:t>
+              <a:t> 40000 -q </a:t>
+            </a:r>
+            <a:r>
+              <a:rPr lang="en-SG" sz="1700" dirty="0" smtClean="0"/>
+              <a:t>30 </a:t>
+            </a:r>
+            <a:r>
+              <a:rPr lang="en-SG" sz="1700" dirty="0"/>
+              <a:t>-rot 270 -t 1 -w </a:t>
+            </a:r>
+            <a:r>
+              <a:rPr lang="en-SG" sz="1700" dirty="0" smtClean="0"/>
+              <a:t>640</a:t>
+            </a:r>
+            <a:r>
+              <a:rPr lang="en-SG" sz="1700" dirty="0" smtClean="0"/>
+              <a:t> </a:t>
+            </a:r>
+            <a:r>
+              <a:rPr lang="en-SG" sz="1700" dirty="0"/>
+              <a:t>-h </a:t>
+            </a:r>
+            <a:r>
+              <a:rPr lang="en-SG" sz="1700" dirty="0" smtClean="0"/>
+              <a:t>480</a:t>
+            </a:r>
+            <a:r>
+              <a:rPr lang="en-SG" sz="1700" dirty="0" smtClean="0"/>
+              <a:t> </a:t>
+            </a:r>
+            <a:r>
+              <a:rPr lang="en-SG" sz="1700" dirty="0"/>
+              <a:t>-o /</a:t>
             </a:r>
             <a:r>
               <a:rPr lang="en-SG" sz="1700" dirty="0" err="1"/>
@@ -7595,6 +7809,13 @@
       </p:transition>
     </mc:Fallback>
   </mc:AlternateContent>
+  <p:timing>
+    <p:tnLst>
+      <p:par>
+        <p:cTn id="1" dur="indefinite" restart="never" nodeType="tmRoot"/>
+      </p:par>
+    </p:tnLst>
+  </p:timing>
 </p:sld>
 </file>
 
@@ -7654,7 +7875,7 @@
         </p:nvSpPr>
         <p:spPr>
           <a:xfrm>
-            <a:off x="50105" y="854075"/>
+            <a:off x="0" y="755464"/>
             <a:ext cx="10515600" cy="4351338"/>
           </a:xfrm>
         </p:spPr>
